--- a/input/images-source/Relationships.pptx
+++ b/input/images-source/Relationships.pptx
@@ -3328,52 +3328,6 @@
       </p:grpSpPr>
       <p:sp>
         <p:nvSpPr>
-          <p:cNvPr id="5" name="Up-Down Arrow 4">
-            <a:extLst>
-              <a:ext uri="{FF2B5EF4-FFF2-40B4-BE49-F238E27FC236}">
-                <a16:creationId xmlns:a16="http://schemas.microsoft.com/office/drawing/2014/main" id="{07F32DBD-3191-5646-6695-B3A250318136}"/>
-              </a:ext>
-            </a:extLst>
-          </p:cNvPr>
-          <p:cNvSpPr/>
-          <p:nvPr/>
-        </p:nvSpPr>
-        <p:spPr>
-          <a:xfrm>
-            <a:off x="7302845" y="617152"/>
-            <a:ext cx="568411" cy="5693141"/>
-          </a:xfrm>
-          <a:prstGeom prst="upDownArrow">
-            <a:avLst/>
-          </a:prstGeom>
-        </p:spPr>
-        <p:style>
-          <a:lnRef idx="2">
-            <a:schemeClr val="accent1">
-              <a:shade val="15000"/>
-            </a:schemeClr>
-          </a:lnRef>
-          <a:fillRef idx="1">
-            <a:schemeClr val="accent1"/>
-          </a:fillRef>
-          <a:effectRef idx="0">
-            <a:schemeClr val="accent1"/>
-          </a:effectRef>
-          <a:fontRef idx="minor">
-            <a:schemeClr val="lt1"/>
-          </a:fontRef>
-        </p:style>
-        <p:txBody>
-          <a:bodyPr rtlCol="0" anchor="ctr"/>
-          <a:lstStyle/>
-          <a:p>
-            <a:pPr algn="ctr"/>
-            <a:endParaRPr lang="en-US"/>
-          </a:p>
-        </p:txBody>
-      </p:sp>
-      <p:sp>
-        <p:nvSpPr>
           <p:cNvPr id="3" name="Rounded Rectangle 2">
             <a:extLst>
               <a:ext uri="{FF2B5EF4-FFF2-40B4-BE49-F238E27FC236}">
@@ -3436,37 +3390,47 @@
       </p:sp>
       <p:sp>
         <p:nvSpPr>
-          <p:cNvPr id="7" name="TextBox 6">
-            <a:extLst>
-              <a:ext uri="{FF2B5EF4-FFF2-40B4-BE49-F238E27FC236}">
-                <a16:creationId xmlns:a16="http://schemas.microsoft.com/office/drawing/2014/main" id="{8C75BFB0-4C00-BC31-E48A-50AA9D9CD544}"/>
-              </a:ext>
-            </a:extLst>
-          </p:cNvPr>
-          <p:cNvSpPr txBox="1"/>
+          <p:cNvPr id="5" name="Up-Down Arrow 4">
+            <a:extLst>
+              <a:ext uri="{FF2B5EF4-FFF2-40B4-BE49-F238E27FC236}">
+                <a16:creationId xmlns:a16="http://schemas.microsoft.com/office/drawing/2014/main" id="{07F32DBD-3191-5646-6695-B3A250318136}"/>
+              </a:ext>
+            </a:extLst>
+          </p:cNvPr>
+          <p:cNvSpPr/>
           <p:nvPr/>
         </p:nvSpPr>
         <p:spPr>
           <a:xfrm>
-            <a:off x="6067170" y="197708"/>
-            <a:ext cx="3039762" cy="400110"/>
+            <a:off x="7302845" y="617152"/>
+            <a:ext cx="568411" cy="5693141"/>
           </a:xfrm>
-          <a:prstGeom prst="rect">
+          <a:prstGeom prst="upDownArrow">
             <a:avLst/>
           </a:prstGeom>
-          <a:noFill/>
         </p:spPr>
-        <p:txBody>
-          <a:bodyPr wrap="square" rtlCol="0">
-            <a:spAutoFit/>
-          </a:bodyPr>
+        <p:style>
+          <a:lnRef idx="2">
+            <a:schemeClr val="accent1">
+              <a:shade val="15000"/>
+            </a:schemeClr>
+          </a:lnRef>
+          <a:fillRef idx="1">
+            <a:schemeClr val="accent1"/>
+          </a:fillRef>
+          <a:effectRef idx="0">
+            <a:schemeClr val="accent1"/>
+          </a:effectRef>
+          <a:fontRef idx="minor">
+            <a:schemeClr val="lt1"/>
+          </a:fontRef>
+        </p:style>
+        <p:txBody>
+          <a:bodyPr rtlCol="0" anchor="ctr"/>
           <a:lstStyle/>
           <a:p>
             <a:pPr algn="ctr"/>
-            <a:r>
-              <a:rPr lang="en-US" sz="2000" b="1" dirty="0"/>
-              <a:t>More Restrictive</a:t>
-            </a:r>
+            <a:endParaRPr lang="en-US"/>
           </a:p>
         </p:txBody>
       </p:sp>
@@ -3532,6 +3496,42 @@
                 </a:solidFill>
               </a:rPr>
               <a:t>US Core</a:t>
+            </a:r>
+          </a:p>
+        </p:txBody>
+      </p:sp>
+      <p:sp>
+        <p:nvSpPr>
+          <p:cNvPr id="7" name="TextBox 6">
+            <a:extLst>
+              <a:ext uri="{FF2B5EF4-FFF2-40B4-BE49-F238E27FC236}">
+                <a16:creationId xmlns:a16="http://schemas.microsoft.com/office/drawing/2014/main" id="{8C75BFB0-4C00-BC31-E48A-50AA9D9CD544}"/>
+              </a:ext>
+            </a:extLst>
+          </p:cNvPr>
+          <p:cNvSpPr txBox="1"/>
+          <p:nvPr/>
+        </p:nvSpPr>
+        <p:spPr>
+          <a:xfrm>
+            <a:off x="6067170" y="197708"/>
+            <a:ext cx="3039762" cy="400110"/>
+          </a:xfrm>
+          <a:prstGeom prst="rect">
+            <a:avLst/>
+          </a:prstGeom>
+          <a:noFill/>
+        </p:spPr>
+        <p:txBody>
+          <a:bodyPr wrap="square" rtlCol="0">
+            <a:spAutoFit/>
+          </a:bodyPr>
+          <a:lstStyle/>
+          <a:p>
+            <a:pPr algn="ctr"/>
+            <a:r>
+              <a:rPr lang="en-US" sz="2000" b="1" dirty="0"/>
+              <a:t>More Restrictive</a:t>
             </a:r>
           </a:p>
         </p:txBody>
